--- a/KhaiPhaDuLieu/baocaolan1/KPDL_NO1_SEC14_4 (1).pptx
+++ b/KhaiPhaDuLieu/baocaolan1/KPDL_NO1_SEC14_4 (1).pptx
@@ -5,10 +5,10 @@
     <p:sldMasterId id="2147483648" r:id="rId4"/>
   </p:sldMasterIdLst>
   <p:notesMasterIdLst>
-    <p:notesMasterId r:id="rId20"/>
+    <p:notesMasterId r:id="rId19"/>
   </p:notesMasterIdLst>
   <p:handoutMasterIdLst>
-    <p:handoutMasterId r:id="rId21"/>
+    <p:handoutMasterId r:id="rId20"/>
   </p:handoutMasterIdLst>
   <p:sldIdLst>
     <p:sldId id="272" r:id="rId5"/>
@@ -23,9 +23,8 @@
     <p:sldId id="295" r:id="rId14"/>
     <p:sldId id="289" r:id="rId15"/>
     <p:sldId id="290" r:id="rId16"/>
-    <p:sldId id="287" r:id="rId17"/>
-    <p:sldId id="291" r:id="rId18"/>
-    <p:sldId id="293" r:id="rId19"/>
+    <p:sldId id="291" r:id="rId17"/>
+    <p:sldId id="293" r:id="rId18"/>
   </p:sldIdLst>
   <p:sldSz cx="12192000" cy="6858000"/>
   <p:notesSz cx="6858000" cy="9144000"/>
@@ -418,7 +417,7 @@
           <a:p>
             <a:fld id="{FD913024-4032-4B4F-8680-09D5E08EDB6E}" type="datetimeFigureOut">
               <a:rPr lang="en-US" smtClean="0"/>
-              <a:t>8/23/2023</a:t>
+              <a:t>8/27/2023</a:t>
             </a:fld>
             <a:endParaRPr lang="en-US" dirty="0"/>
           </a:p>
@@ -595,7 +594,7 @@
           <a:p>
             <a:fld id="{F2AE225E-43E0-7047-8ADB-DD9EBB41B4D0}" type="datetimeFigureOut">
               <a:rPr lang="en-US" noProof="0" smtClean="0"/>
-              <a:t>8/23/2023</a:t>
+              <a:t>8/27/2023</a:t>
             </a:fld>
             <a:endParaRPr lang="en-US" noProof="0" dirty="0"/>
           </a:p>
@@ -41468,211 +41467,6 @@
           <p:cNvPr id="2" name="Title 1">
             <a:extLst>
               <a:ext uri="{FF2B5EF4-FFF2-40B4-BE49-F238E27FC236}">
-                <a16:creationId xmlns:a16="http://schemas.microsoft.com/office/drawing/2014/main" id="{5786407B-E263-AB77-F242-482929EDE623}"/>
-              </a:ext>
-            </a:extLst>
-          </p:cNvPr>
-          <p:cNvSpPr>
-            <a:spLocks noGrp="1"/>
-          </p:cNvSpPr>
-          <p:nvPr>
-            <p:ph type="title"/>
-          </p:nvPr>
-        </p:nvSpPr>
-        <p:spPr/>
-        <p:txBody>
-          <a:bodyPr/>
-          <a:lstStyle/>
-          <a:p>
-            <a:endParaRPr lang="en-US"/>
-          </a:p>
-        </p:txBody>
-      </p:sp>
-      <p:sp>
-        <p:nvSpPr>
-          <p:cNvPr id="3" name="Text Placeholder 2">
-            <a:extLst>
-              <a:ext uri="{FF2B5EF4-FFF2-40B4-BE49-F238E27FC236}">
-                <a16:creationId xmlns:a16="http://schemas.microsoft.com/office/drawing/2014/main" id="{66396AC2-181B-F386-3D8E-49B5989F07F0}"/>
-              </a:ext>
-            </a:extLst>
-          </p:cNvPr>
-          <p:cNvSpPr>
-            <a:spLocks noGrp="1"/>
-          </p:cNvSpPr>
-          <p:nvPr>
-            <p:ph type="body" sz="half" idx="2"/>
-          </p:nvPr>
-        </p:nvSpPr>
-        <p:spPr/>
-        <p:txBody>
-          <a:bodyPr/>
-          <a:lstStyle/>
-          <a:p>
-            <a:r>
-              <a:rPr lang="en-US" dirty="0" err="1"/>
-              <a:t>Aneural</a:t>
-            </a:r>
-            <a:r>
-              <a:rPr lang="en-US" dirty="0"/>
-              <a:t> network, when used for classification, is typically a collection of neuron-like processing units with weighted connections between the</a:t>
-            </a:r>
-          </a:p>
-          <a:p>
-            <a:r>
-              <a:rPr lang="en-US" dirty="0"/>
-              <a:t>units.</a:t>
-            </a:r>
-          </a:p>
-        </p:txBody>
-      </p:sp>
-      <p:sp>
-        <p:nvSpPr>
-          <p:cNvPr id="4" name="Picture Placeholder 3">
-            <a:extLst>
-              <a:ext uri="{FF2B5EF4-FFF2-40B4-BE49-F238E27FC236}">
-                <a16:creationId xmlns:a16="http://schemas.microsoft.com/office/drawing/2014/main" id="{827584BB-4EFC-59FA-6882-6726B05B1B9A}"/>
-              </a:ext>
-            </a:extLst>
-          </p:cNvPr>
-          <p:cNvSpPr>
-            <a:spLocks noGrp="1"/>
-          </p:cNvSpPr>
-          <p:nvPr>
-            <p:ph type="pic" idx="1"/>
-          </p:nvPr>
-        </p:nvSpPr>
-        <p:spPr/>
-        <p:txBody>
-          <a:bodyPr/>
-          <a:lstStyle/>
-          <a:p>
-            <a:endParaRPr lang="en-US"/>
-          </a:p>
-        </p:txBody>
-      </p:sp>
-      <p:sp>
-        <p:nvSpPr>
-          <p:cNvPr id="5" name="Date Placeholder 4">
-            <a:extLst>
-              <a:ext uri="{FF2B5EF4-FFF2-40B4-BE49-F238E27FC236}">
-                <a16:creationId xmlns:a16="http://schemas.microsoft.com/office/drawing/2014/main" id="{FB5390E3-D911-1185-47B3-39125BB1EF61}"/>
-              </a:ext>
-            </a:extLst>
-          </p:cNvPr>
-          <p:cNvSpPr>
-            <a:spLocks noGrp="1"/>
-          </p:cNvSpPr>
-          <p:nvPr>
-            <p:ph type="dt" sz="half" idx="10"/>
-          </p:nvPr>
-        </p:nvSpPr>
-        <p:spPr/>
-        <p:txBody>
-          <a:bodyPr/>
-          <a:lstStyle/>
-          <a:p>
-            <a:r>
-              <a:rPr lang="en-US"/>
-              <a:t>20XX</a:t>
-            </a:r>
-            <a:endParaRPr lang="en-US" dirty="0"/>
-          </a:p>
-        </p:txBody>
-      </p:sp>
-      <p:sp>
-        <p:nvSpPr>
-          <p:cNvPr id="6" name="Footer Placeholder 5">
-            <a:extLst>
-              <a:ext uri="{FF2B5EF4-FFF2-40B4-BE49-F238E27FC236}">
-                <a16:creationId xmlns:a16="http://schemas.microsoft.com/office/drawing/2014/main" id="{A720E0CC-B842-0774-6FEB-1D13F5E1FBF3}"/>
-              </a:ext>
-            </a:extLst>
-          </p:cNvPr>
-          <p:cNvSpPr>
-            <a:spLocks noGrp="1"/>
-          </p:cNvSpPr>
-          <p:nvPr>
-            <p:ph type="ftr" sz="quarter" idx="11"/>
-          </p:nvPr>
-        </p:nvSpPr>
-        <p:spPr/>
-        <p:txBody>
-          <a:bodyPr/>
-          <a:lstStyle/>
-          <a:p>
-            <a:r>
-              <a:rPr lang="en-US"/>
-              <a:t>presentation title</a:t>
-            </a:r>
-            <a:endParaRPr lang="en-US" dirty="0"/>
-          </a:p>
-        </p:txBody>
-      </p:sp>
-      <p:sp>
-        <p:nvSpPr>
-          <p:cNvPr id="7" name="Slide Number Placeholder 6">
-            <a:extLst>
-              <a:ext uri="{FF2B5EF4-FFF2-40B4-BE49-F238E27FC236}">
-                <a16:creationId xmlns:a16="http://schemas.microsoft.com/office/drawing/2014/main" id="{C13686D7-6C5F-DECE-7493-A1676A5CF8EE}"/>
-              </a:ext>
-            </a:extLst>
-          </p:cNvPr>
-          <p:cNvSpPr>
-            <a:spLocks noGrp="1"/>
-          </p:cNvSpPr>
-          <p:nvPr>
-            <p:ph type="sldNum" sz="quarter" idx="12"/>
-          </p:nvPr>
-        </p:nvSpPr>
-        <p:spPr/>
-        <p:txBody>
-          <a:bodyPr/>
-          <a:lstStyle/>
-          <a:p>
-            <a:fld id="{58FB4751-880F-D840-AAA9-3A15815CC996}" type="slidenum">
-              <a:rPr lang="en-US" smtClean="0"/>
-              <a:t>13</a:t>
-            </a:fld>
-            <a:endParaRPr lang="en-US" dirty="0"/>
-          </a:p>
-        </p:txBody>
-      </p:sp>
-    </p:spTree>
-    <p:extLst>
-      <p:ext uri="{BB962C8B-B14F-4D97-AF65-F5344CB8AC3E}">
-        <p14:creationId xmlns:p14="http://schemas.microsoft.com/office/powerpoint/2010/main" val="4164626864"/>
-      </p:ext>
-    </p:extLst>
-  </p:cSld>
-  <p:clrMapOvr>
-    <a:masterClrMapping/>
-  </p:clrMapOvr>
-</p:sld>
-</file>
-
-<file path=ppt/slides/slide14.xml><?xml version="1.0" encoding="utf-8"?>
-<p:sld xmlns:a="http://schemas.openxmlformats.org/drawingml/2006/main" xmlns:r="http://schemas.openxmlformats.org/officeDocument/2006/relationships" xmlns:p="http://schemas.openxmlformats.org/presentationml/2006/main">
-  <p:cSld>
-    <p:spTree>
-      <p:nvGrpSpPr>
-        <p:cNvPr id="1" name=""/>
-        <p:cNvGrpSpPr/>
-        <p:nvPr/>
-      </p:nvGrpSpPr>
-      <p:grpSpPr>
-        <a:xfrm>
-          <a:off x="0" y="0"/>
-          <a:ext cx="0" cy="0"/>
-          <a:chOff x="0" y="0"/>
-          <a:chExt cx="0" cy="0"/>
-        </a:xfrm>
-      </p:grpSpPr>
-      <p:sp>
-        <p:nvSpPr>
-          <p:cNvPr id="2" name="Title 1">
-            <a:extLst>
-              <a:ext uri="{FF2B5EF4-FFF2-40B4-BE49-F238E27FC236}">
                 <a16:creationId xmlns:a16="http://schemas.microsoft.com/office/drawing/2014/main" id="{BA132DA9-765E-BE62-D6C3-0A3EB3AEB45C}"/>
               </a:ext>
             </a:extLst>
@@ -41723,7 +41517,7 @@
         </p:nvSpPr>
         <p:spPr>
           <a:xfrm>
-            <a:off x="576070" y="1380744"/>
+            <a:off x="558582" y="1344649"/>
             <a:ext cx="4572000" cy="4773168"/>
           </a:xfrm>
         </p:spPr>
@@ -41907,7 +41701,7 @@
           <a:p>
             <a:fld id="{58FB4751-880F-D840-AAA9-3A15815CC996}" type="slidenum">
               <a:rPr lang="en-US" smtClean="0"/>
-              <a:t>14</a:t>
+              <a:t>13</a:t>
             </a:fld>
             <a:endParaRPr lang="en-US" dirty="0"/>
           </a:p>
@@ -41926,7 +41720,7 @@
 </p:sld>
 </file>
 
-<file path=ppt/slides/slide15.xml><?xml version="1.0" encoding="utf-8"?>
+<file path=ppt/slides/slide14.xml><?xml version="1.0" encoding="utf-8"?>
 <p:sld xmlns:a="http://schemas.openxmlformats.org/drawingml/2006/main" xmlns:r="http://schemas.openxmlformats.org/officeDocument/2006/relationships" xmlns:p="http://schemas.openxmlformats.org/presentationml/2006/main">
   <p:cSld>
     <p:spTree>
@@ -42141,7 +41935,7 @@
           <a:p>
             <a:fld id="{58FB4751-880F-D840-AAA9-3A15815CC996}" type="slidenum">
               <a:rPr lang="en-US" smtClean="0"/>
-              <a:t>15</a:t>
+              <a:t>14</a:t>
             </a:fld>
             <a:endParaRPr lang="en-US" dirty="0"/>
           </a:p>
@@ -45309,21 +45103,6 @@
 </file>
 
 <file path=customXml/item1.xml><?xml version="1.0" encoding="utf-8"?>
-<p:properties xmlns:p="http://schemas.microsoft.com/office/2006/metadata/properties" xmlns:xsi="http://www.w3.org/2001/XMLSchema-instance" xmlns:pc="http://schemas.microsoft.com/office/infopath/2007/PartnerControls">
-  <documentManagement/>
-</p:properties>
-</file>
-
-<file path=customXml/item2.xml><?xml version="1.0" encoding="utf-8"?>
-<?mso-contentType ?>
-<FormTemplates xmlns="http://schemas.microsoft.com/sharepoint/v3/contenttype/forms">
-  <Display>DocumentLibraryForm</Display>
-  <Edit>DocumentLibraryForm</Edit>
-  <New>DocumentLibraryForm</New>
-</FormTemplates>
-</file>
-
-<file path=customXml/item3.xml><?xml version="1.0" encoding="utf-8"?>
 <ct:contentTypeSchema xmlns:ct="http://schemas.microsoft.com/office/2006/metadata/contentType" xmlns:ma="http://schemas.microsoft.com/office/2006/metadata/properties/metaAttributes" ct:_="" ma:_="" ma:contentTypeName="Tài liệu" ma:contentTypeID="0x010100AA2D86DBF9060C4DAE5891597169C50C" ma:contentTypeVersion="3" ma:contentTypeDescription="Tạo tài liệu mới." ma:contentTypeScope="" ma:versionID="a715ae02bb11d6f893047ee7862443e4">
   <xsd:schema xmlns:xsd="http://www.w3.org/2001/XMLSchema" xmlns:xs="http://www.w3.org/2001/XMLSchema" xmlns:p="http://schemas.microsoft.com/office/2006/metadata/properties" xmlns:ns2="4cb2dcc3-3d34-48e7-823b-35929764ddb5" targetNamespace="http://schemas.microsoft.com/office/2006/metadata/properties" ma:root="true" ma:fieldsID="25b2fa3e4be2115a3636a93b0b9eacd8" ns2:_="">
     <xsd:import namespace="4cb2dcc3-3d34-48e7-823b-35929764ddb5"/>
@@ -45461,27 +45240,22 @@
 </ct:contentTypeSchema>
 </file>
 
-<file path=customXml/itemProps1.xml><?xml version="1.0" encoding="utf-8"?>
-<ds:datastoreItem xmlns:ds="http://schemas.openxmlformats.org/officeDocument/2006/customXml" ds:itemID="{D9A499FA-9FE2-4A54-8493-B62A0ECF1677}">
-  <ds:schemaRefs>
-    <ds:schemaRef ds:uri="http://schemas.microsoft.com/office/2006/metadata/properties"/>
-    <ds:schemaRef ds:uri="http://schemas.microsoft.com/office/infopath/2007/PartnerControls"/>
-    <ds:schemaRef ds:uri="http://schemas.microsoft.com/sharepoint/v3"/>
-    <ds:schemaRef ds:uri="71af3243-3dd4-4a8d-8c0d-dd76da1f02a5"/>
-    <ds:schemaRef ds:uri="230e9df3-be65-4c73-a93b-d1236ebd677e"/>
-  </ds:schemaRefs>
-</ds:datastoreItem>
+<file path=customXml/item2.xml><?xml version="1.0" encoding="utf-8"?>
+<?mso-contentType ?>
+<FormTemplates xmlns="http://schemas.microsoft.com/sharepoint/v3/contenttype/forms">
+  <Display>DocumentLibraryForm</Display>
+  <Edit>DocumentLibraryForm</Edit>
+  <New>DocumentLibraryForm</New>
+</FormTemplates>
 </file>
 
-<file path=customXml/itemProps2.xml><?xml version="1.0" encoding="utf-8"?>
-<ds:datastoreItem xmlns:ds="http://schemas.openxmlformats.org/officeDocument/2006/customXml" ds:itemID="{707964E6-3618-4106-9F0D-0B5B9150681B}">
-  <ds:schemaRefs>
-    <ds:schemaRef ds:uri="http://schemas.microsoft.com/sharepoint/v3/contenttype/forms"/>
-  </ds:schemaRefs>
-</ds:datastoreItem>
+<file path=customXml/item3.xml><?xml version="1.0" encoding="utf-8"?>
+<p:properties xmlns:p="http://schemas.microsoft.com/office/2006/metadata/properties" xmlns:xsi="http://www.w3.org/2001/XMLSchema-instance" xmlns:pc="http://schemas.microsoft.com/office/infopath/2007/PartnerControls">
+  <documentManagement/>
+</p:properties>
 </file>
 
-<file path=customXml/itemProps3.xml><?xml version="1.0" encoding="utf-8"?>
+<file path=customXml/itemProps1.xml><?xml version="1.0" encoding="utf-8"?>
 <ds:datastoreItem xmlns:ds="http://schemas.openxmlformats.org/officeDocument/2006/customXml" ds:itemID="{5DE9B24E-356F-40BF-9D93-8DA1DFF0E5E2}">
   <ds:schemaRefs>
     <ds:schemaRef ds:uri="http://schemas.microsoft.com/office/2006/metadata/contentType"/>
@@ -45499,6 +45273,26 @@
 </ds:datastoreItem>
 </file>
 
+<file path=customXml/itemProps2.xml><?xml version="1.0" encoding="utf-8"?>
+<ds:datastoreItem xmlns:ds="http://schemas.openxmlformats.org/officeDocument/2006/customXml" ds:itemID="{707964E6-3618-4106-9F0D-0B5B9150681B}">
+  <ds:schemaRefs>
+    <ds:schemaRef ds:uri="http://schemas.microsoft.com/sharepoint/v3/contenttype/forms"/>
+  </ds:schemaRefs>
+</ds:datastoreItem>
+</file>
+
+<file path=customXml/itemProps3.xml><?xml version="1.0" encoding="utf-8"?>
+<ds:datastoreItem xmlns:ds="http://schemas.openxmlformats.org/officeDocument/2006/customXml" ds:itemID="{D9A499FA-9FE2-4A54-8493-B62A0ECF1677}">
+  <ds:schemaRefs>
+    <ds:schemaRef ds:uri="http://schemas.microsoft.com/office/2006/metadata/properties"/>
+    <ds:schemaRef ds:uri="http://schemas.microsoft.com/office/infopath/2007/PartnerControls"/>
+    <ds:schemaRef ds:uri="http://schemas.microsoft.com/sharepoint/v3"/>
+    <ds:schemaRef ds:uri="71af3243-3dd4-4a8d-8c0d-dd76da1f02a5"/>
+    <ds:schemaRef ds:uri="230e9df3-be65-4c73-a93b-d1236ebd677e"/>
+  </ds:schemaRefs>
+</ds:datastoreItem>
+</file>
+
 <file path=docMetadata/LabelInfo.xml><?xml version="1.0" encoding="utf-8"?>
 <clbl:labelList xmlns:clbl="http://schemas.microsoft.com/office/2020/mipLabelMetadata"/>
 </file>